--- a/HLD e LLD/HLD.pptx
+++ b/HLD e LLD/HLD.pptx
@@ -104,6 +104,11 @@
       </a:defRPr>
     </a:lvl9pPr>
   </p:defaultTextStyle>
+  <p:extLst>
+    <p:ext uri="{EFAFB233-063F-42B5-8137-9DF3F51BA10A}">
+      <p15:sldGuideLst xmlns:p15="http://schemas.microsoft.com/office/powerpoint/2012/main"/>
+    </p:ext>
+  </p:extLst>
 </p:presentation>
 </file>
 
@@ -254,7 +259,7 @@
           <a:p>
             <a:fld id="{6EBA2500-EE36-4107-A8A2-9BD0B21750D6}" type="datetimeFigureOut">
               <a:rPr lang="pt-BR" smtClean="0"/>
-              <a:t>04/05/2021</a:t>
+              <a:t>17/05/2021</a:t>
             </a:fld>
             <a:endParaRPr lang="pt-BR"/>
           </a:p>
@@ -452,7 +457,7 @@
           <a:p>
             <a:fld id="{6EBA2500-EE36-4107-A8A2-9BD0B21750D6}" type="datetimeFigureOut">
               <a:rPr lang="pt-BR" smtClean="0"/>
-              <a:t>04/05/2021</a:t>
+              <a:t>17/05/2021</a:t>
             </a:fld>
             <a:endParaRPr lang="pt-BR"/>
           </a:p>
@@ -660,7 +665,7 @@
           <a:p>
             <a:fld id="{6EBA2500-EE36-4107-A8A2-9BD0B21750D6}" type="datetimeFigureOut">
               <a:rPr lang="pt-BR" smtClean="0"/>
-              <a:t>04/05/2021</a:t>
+              <a:t>17/05/2021</a:t>
             </a:fld>
             <a:endParaRPr lang="pt-BR"/>
           </a:p>
@@ -858,7 +863,7 @@
           <a:p>
             <a:fld id="{6EBA2500-EE36-4107-A8A2-9BD0B21750D6}" type="datetimeFigureOut">
               <a:rPr lang="pt-BR" smtClean="0"/>
-              <a:t>04/05/2021</a:t>
+              <a:t>17/05/2021</a:t>
             </a:fld>
             <a:endParaRPr lang="pt-BR"/>
           </a:p>
@@ -1133,7 +1138,7 @@
           <a:p>
             <a:fld id="{6EBA2500-EE36-4107-A8A2-9BD0B21750D6}" type="datetimeFigureOut">
               <a:rPr lang="pt-BR" smtClean="0"/>
-              <a:t>04/05/2021</a:t>
+              <a:t>17/05/2021</a:t>
             </a:fld>
             <a:endParaRPr lang="pt-BR"/>
           </a:p>
@@ -1398,7 +1403,7 @@
           <a:p>
             <a:fld id="{6EBA2500-EE36-4107-A8A2-9BD0B21750D6}" type="datetimeFigureOut">
               <a:rPr lang="pt-BR" smtClean="0"/>
-              <a:t>04/05/2021</a:t>
+              <a:t>17/05/2021</a:t>
             </a:fld>
             <a:endParaRPr lang="pt-BR"/>
           </a:p>
@@ -1810,7 +1815,7 @@
           <a:p>
             <a:fld id="{6EBA2500-EE36-4107-A8A2-9BD0B21750D6}" type="datetimeFigureOut">
               <a:rPr lang="pt-BR" smtClean="0"/>
-              <a:t>04/05/2021</a:t>
+              <a:t>17/05/2021</a:t>
             </a:fld>
             <a:endParaRPr lang="pt-BR"/>
           </a:p>
@@ -1951,7 +1956,7 @@
           <a:p>
             <a:fld id="{6EBA2500-EE36-4107-A8A2-9BD0B21750D6}" type="datetimeFigureOut">
               <a:rPr lang="pt-BR" smtClean="0"/>
-              <a:t>04/05/2021</a:t>
+              <a:t>17/05/2021</a:t>
             </a:fld>
             <a:endParaRPr lang="pt-BR"/>
           </a:p>
@@ -2064,7 +2069,7 @@
           <a:p>
             <a:fld id="{6EBA2500-EE36-4107-A8A2-9BD0B21750D6}" type="datetimeFigureOut">
               <a:rPr lang="pt-BR" smtClean="0"/>
-              <a:t>04/05/2021</a:t>
+              <a:t>17/05/2021</a:t>
             </a:fld>
             <a:endParaRPr lang="pt-BR"/>
           </a:p>
@@ -2375,7 +2380,7 @@
           <a:p>
             <a:fld id="{6EBA2500-EE36-4107-A8A2-9BD0B21750D6}" type="datetimeFigureOut">
               <a:rPr lang="pt-BR" smtClean="0"/>
-              <a:t>04/05/2021</a:t>
+              <a:t>17/05/2021</a:t>
             </a:fld>
             <a:endParaRPr lang="pt-BR"/>
           </a:p>
@@ -2663,7 +2668,7 @@
           <a:p>
             <a:fld id="{6EBA2500-EE36-4107-A8A2-9BD0B21750D6}" type="datetimeFigureOut">
               <a:rPr lang="pt-BR" smtClean="0"/>
-              <a:t>04/05/2021</a:t>
+              <a:t>17/05/2021</a:t>
             </a:fld>
             <a:endParaRPr lang="pt-BR"/>
           </a:p>
@@ -2904,7 +2909,7 @@
           <a:p>
             <a:fld id="{6EBA2500-EE36-4107-A8A2-9BD0B21750D6}" type="datetimeFigureOut">
               <a:rPr lang="pt-BR" smtClean="0"/>
-              <a:t>04/05/2021</a:t>
+              <a:t>17/05/2021</a:t>
             </a:fld>
             <a:endParaRPr lang="pt-BR"/>
           </a:p>
@@ -3350,7 +3355,7 @@
         </p:blipFill>
         <p:spPr bwMode="auto">
           <a:xfrm>
-            <a:off x="643049" y="1826566"/>
+            <a:off x="857384" y="2640702"/>
             <a:ext cx="1219200" cy="1219200"/>
           </a:xfrm>
           <a:prstGeom prst="rect">
@@ -3382,7 +3387,7 @@
         </p:nvSpPr>
         <p:spPr>
           <a:xfrm>
-            <a:off x="2411421" y="2121887"/>
+            <a:off x="2232118" y="3150912"/>
             <a:ext cx="978408" cy="484632"/>
           </a:xfrm>
           <a:prstGeom prst="rightArrow">
@@ -3434,7 +3439,7 @@
         </p:nvSpPr>
         <p:spPr>
           <a:xfrm>
-            <a:off x="525471" y="3250302"/>
+            <a:off x="517675" y="4029531"/>
             <a:ext cx="3543300" cy="369332"/>
           </a:xfrm>
           <a:prstGeom prst="rect">
@@ -3469,7 +3474,7 @@
         </p:nvSpPr>
         <p:spPr>
           <a:xfrm>
-            <a:off x="6199924" y="3266765"/>
+            <a:off x="8934414" y="3682611"/>
             <a:ext cx="3610708" cy="369332"/>
           </a:xfrm>
           <a:prstGeom prst="rect">
@@ -3485,7 +3490,7 @@
           <a:p>
             <a:r>
               <a:rPr lang="pt-BR" dirty="0"/>
-              <a:t>Recebe informações específicas </a:t>
+              <a:t>Qualquer dúvida ( contato ).</a:t>
             </a:r>
           </a:p>
         </p:txBody>
@@ -3519,7 +3524,7 @@
         </p:blipFill>
         <p:spPr bwMode="auto">
           <a:xfrm>
-            <a:off x="3641282" y="1460689"/>
+            <a:off x="9179996" y="2019668"/>
             <a:ext cx="1559772" cy="1559772"/>
           </a:xfrm>
           <a:prstGeom prst="rect">
@@ -3539,41 +3544,6 @@
       </p:pic>
       <p:sp>
         <p:nvSpPr>
-          <p:cNvPr id="8" name="CaixaDeTexto 7">
-            <a:extLst>
-              <a:ext uri="{FF2B5EF4-FFF2-40B4-BE49-F238E27FC236}">
-                <a16:creationId xmlns:a16="http://schemas.microsoft.com/office/drawing/2014/main" id="{A8ADB131-DDF4-4915-9C58-9EAC19ECD199}"/>
-              </a:ext>
-            </a:extLst>
-          </p:cNvPr>
-          <p:cNvSpPr txBox="1"/>
-          <p:nvPr/>
-        </p:nvSpPr>
-        <p:spPr>
-          <a:xfrm>
-            <a:off x="3145712" y="3224997"/>
-            <a:ext cx="3452446" cy="369332"/>
-          </a:xfrm>
-          <a:prstGeom prst="rect">
-            <a:avLst/>
-          </a:prstGeom>
-          <a:noFill/>
-        </p:spPr>
-        <p:txBody>
-          <a:bodyPr wrap="square" rtlCol="0">
-            <a:spAutoFit/>
-          </a:bodyPr>
-          <a:lstStyle/>
-          <a:p>
-            <a:r>
-              <a:rPr lang="pt-BR" dirty="0"/>
-              <a:t>Contato com calistênico</a:t>
-            </a:r>
-          </a:p>
-        </p:txBody>
-      </p:sp>
-      <p:sp>
-        <p:nvSpPr>
           <p:cNvPr id="9" name="Seta: para a Direita 8">
             <a:extLst>
               <a:ext uri="{FF2B5EF4-FFF2-40B4-BE49-F238E27FC236}">
@@ -3585,8 +3555,8 @@
           <p:nvPr/>
         </p:nvSpPr>
         <p:spPr>
-          <a:xfrm>
-            <a:off x="5368743" y="2240575"/>
+          <a:xfrm rot="16200000">
+            <a:off x="3513022" y="1912780"/>
             <a:ext cx="978408" cy="484632"/>
           </a:xfrm>
           <a:prstGeom prst="rightArrow">
@@ -3637,9 +3607,9 @@
           <p:nvPr/>
         </p:nvSpPr>
         <p:spPr>
-          <a:xfrm rot="16200000">
-            <a:off x="9079112" y="1993687"/>
-            <a:ext cx="484632" cy="978408"/>
+          <a:xfrm rot="19099930">
+            <a:off x="8692099" y="1782794"/>
+            <a:ext cx="484632" cy="902537"/>
           </a:xfrm>
           <a:prstGeom prst="downArrow">
             <a:avLst/>
@@ -3702,7 +3672,7 @@
         </p:blipFill>
         <p:spPr bwMode="auto">
           <a:xfrm>
-            <a:off x="10121700" y="1801333"/>
+            <a:off x="6047013" y="228923"/>
             <a:ext cx="1714967" cy="1315509"/>
           </a:xfrm>
           <a:prstGeom prst="rect">
@@ -3734,7 +3704,7 @@
         </p:nvSpPr>
         <p:spPr>
           <a:xfrm>
-            <a:off x="10562671" y="2205742"/>
+            <a:off x="6539850" y="598737"/>
             <a:ext cx="1222130" cy="369332"/>
           </a:xfrm>
           <a:prstGeom prst="rect">
@@ -3769,8 +3739,8 @@
         </p:nvSpPr>
         <p:spPr>
           <a:xfrm>
-            <a:off x="9944443" y="3265255"/>
-            <a:ext cx="2069479" cy="369332"/>
+            <a:off x="4943604" y="1412578"/>
+            <a:ext cx="4602223" cy="369332"/>
           </a:xfrm>
           <a:prstGeom prst="rect">
             <a:avLst/>
@@ -3785,7 +3755,7 @@
           <a:p>
             <a:r>
               <a:rPr lang="pt-BR" dirty="0"/>
-              <a:t>Recebe seu treino</a:t>
+              <a:t>Recebe seu treino específico para seu corpo</a:t>
             </a:r>
           </a:p>
         </p:txBody>
@@ -3854,7 +3824,7 @@
         </p:blipFill>
         <p:spPr bwMode="auto">
           <a:xfrm>
-            <a:off x="6980087" y="1849855"/>
+            <a:off x="3451375" y="2813929"/>
             <a:ext cx="1219200" cy="1219200"/>
           </a:xfrm>
           <a:prstGeom prst="rect">
@@ -3872,6 +3842,492 @@
           </a:extLst>
         </p:spPr>
       </p:pic>
+      <p:pic>
+        <p:nvPicPr>
+          <p:cNvPr id="2" name="Picture 2" descr="homem grátis ícone">
+            <a:extLst>
+              <a:ext uri="{FF2B5EF4-FFF2-40B4-BE49-F238E27FC236}">
+                <a16:creationId xmlns:a16="http://schemas.microsoft.com/office/drawing/2014/main" id="{446368A7-50DA-414A-9C57-0571E1EB788A}"/>
+              </a:ext>
+            </a:extLst>
+          </p:cNvPr>
+          <p:cNvPicPr>
+            <a:picLocks noChangeAspect="1" noChangeArrowheads="1"/>
+          </p:cNvPicPr>
+          <p:nvPr/>
+        </p:nvPicPr>
+        <p:blipFill>
+          <a:blip r:embed="rId6">
+            <a:extLst>
+              <a:ext uri="{28A0092B-C50C-407E-A947-70E740481C1C}">
+                <a14:useLocalDpi xmlns:a14="http://schemas.microsoft.com/office/drawing/2010/main" val="0"/>
+              </a:ext>
+            </a:extLst>
+          </a:blip>
+          <a:srcRect/>
+          <a:stretch>
+            <a:fillRect/>
+          </a:stretch>
+        </p:blipFill>
+        <p:spPr bwMode="auto">
+          <a:xfrm>
+            <a:off x="3415770" y="94089"/>
+            <a:ext cx="1219200" cy="1315509"/>
+          </a:xfrm>
+          <a:prstGeom prst="rect">
+            <a:avLst/>
+          </a:prstGeom>
+          <a:noFill/>
+          <a:extLst>
+            <a:ext uri="{909E8E84-426E-40DD-AFC4-6F175D3DCCD1}">
+              <a14:hiddenFill xmlns:a14="http://schemas.microsoft.com/office/drawing/2010/main">
+                <a:solidFill>
+                  <a:srgbClr val="FFFFFF"/>
+                </a:solidFill>
+              </a14:hiddenFill>
+            </a:ext>
+          </a:extLst>
+        </p:spPr>
+      </p:pic>
+      <p:sp>
+        <p:nvSpPr>
+          <p:cNvPr id="16" name="Seta: para a Direita 15">
+            <a:extLst>
+              <a:ext uri="{FF2B5EF4-FFF2-40B4-BE49-F238E27FC236}">
+                <a16:creationId xmlns:a16="http://schemas.microsoft.com/office/drawing/2014/main" id="{73823326-B83F-4685-93D4-7726319AF5B6}"/>
+              </a:ext>
+            </a:extLst>
+          </p:cNvPr>
+          <p:cNvSpPr/>
+          <p:nvPr/>
+        </p:nvSpPr>
+        <p:spPr>
+          <a:xfrm>
+            <a:off x="4659349" y="516486"/>
+            <a:ext cx="978408" cy="484632"/>
+          </a:xfrm>
+          <a:prstGeom prst="rightArrow">
+            <a:avLst/>
+          </a:prstGeom>
+          <a:solidFill>
+            <a:schemeClr val="tx1">
+              <a:lumMod val="95000"/>
+              <a:lumOff val="5000"/>
+            </a:schemeClr>
+          </a:solidFill>
+        </p:spPr>
+        <p:style>
+          <a:lnRef idx="2">
+            <a:schemeClr val="accent1">
+              <a:shade val="50000"/>
+            </a:schemeClr>
+          </a:lnRef>
+          <a:fillRef idx="1">
+            <a:schemeClr val="accent1"/>
+          </a:fillRef>
+          <a:effectRef idx="0">
+            <a:schemeClr val="accent1"/>
+          </a:effectRef>
+          <a:fontRef idx="minor">
+            <a:schemeClr val="lt1"/>
+          </a:fontRef>
+        </p:style>
+        <p:txBody>
+          <a:bodyPr rtlCol="0" anchor="ctr"/>
+          <a:lstStyle/>
+          <a:p>
+            <a:pPr algn="ctr"/>
+            <a:endParaRPr lang="pt-BR" dirty="0"/>
+          </a:p>
+        </p:txBody>
+      </p:sp>
+      <p:pic>
+        <p:nvPicPr>
+          <p:cNvPr id="1028" name="Picture 4" descr="mulher de negócios grátis ícone">
+            <a:extLst>
+              <a:ext uri="{FF2B5EF4-FFF2-40B4-BE49-F238E27FC236}">
+                <a16:creationId xmlns:a16="http://schemas.microsoft.com/office/drawing/2014/main" id="{34927794-5D3A-484E-8F99-D41054713552}"/>
+              </a:ext>
+            </a:extLst>
+          </p:cNvPr>
+          <p:cNvPicPr>
+            <a:picLocks noChangeAspect="1" noChangeArrowheads="1"/>
+          </p:cNvPicPr>
+          <p:nvPr/>
+        </p:nvPicPr>
+        <p:blipFill>
+          <a:blip r:embed="rId7">
+            <a:extLst>
+              <a:ext uri="{28A0092B-C50C-407E-A947-70E740481C1C}">
+                <a14:useLocalDpi xmlns:a14="http://schemas.microsoft.com/office/drawing/2010/main" val="0"/>
+              </a:ext>
+            </a:extLst>
+          </a:blip>
+          <a:srcRect/>
+          <a:stretch>
+            <a:fillRect/>
+          </a:stretch>
+        </p:blipFill>
+        <p:spPr bwMode="auto">
+          <a:xfrm>
+            <a:off x="3451375" y="5264233"/>
+            <a:ext cx="1219200" cy="1219200"/>
+          </a:xfrm>
+          <a:prstGeom prst="rect">
+            <a:avLst/>
+          </a:prstGeom>
+          <a:noFill/>
+          <a:extLst>
+            <a:ext uri="{909E8E84-426E-40DD-AFC4-6F175D3DCCD1}">
+              <a14:hiddenFill xmlns:a14="http://schemas.microsoft.com/office/drawing/2010/main">
+                <a:solidFill>
+                  <a:srgbClr val="FFFFFF"/>
+                </a:solidFill>
+              </a14:hiddenFill>
+            </a:ext>
+          </a:extLst>
+        </p:spPr>
+      </p:pic>
+      <p:sp>
+        <p:nvSpPr>
+          <p:cNvPr id="18" name="Seta: para a Direita 17">
+            <a:extLst>
+              <a:ext uri="{FF2B5EF4-FFF2-40B4-BE49-F238E27FC236}">
+                <a16:creationId xmlns:a16="http://schemas.microsoft.com/office/drawing/2014/main" id="{12885847-2CE6-4906-B172-84F7BBAF9061}"/>
+              </a:ext>
+            </a:extLst>
+          </p:cNvPr>
+          <p:cNvSpPr/>
+          <p:nvPr/>
+        </p:nvSpPr>
+        <p:spPr>
+          <a:xfrm rot="5400000">
+            <a:off x="3571771" y="4276419"/>
+            <a:ext cx="978408" cy="484632"/>
+          </a:xfrm>
+          <a:prstGeom prst="rightArrow">
+            <a:avLst/>
+          </a:prstGeom>
+          <a:solidFill>
+            <a:schemeClr val="tx1">
+              <a:lumMod val="95000"/>
+              <a:lumOff val="5000"/>
+            </a:schemeClr>
+          </a:solidFill>
+        </p:spPr>
+        <p:style>
+          <a:lnRef idx="2">
+            <a:schemeClr val="accent1">
+              <a:shade val="50000"/>
+            </a:schemeClr>
+          </a:lnRef>
+          <a:fillRef idx="1">
+            <a:schemeClr val="accent1"/>
+          </a:fillRef>
+          <a:effectRef idx="0">
+            <a:schemeClr val="accent1"/>
+          </a:effectRef>
+          <a:fontRef idx="minor">
+            <a:schemeClr val="lt1"/>
+          </a:fontRef>
+        </p:style>
+        <p:txBody>
+          <a:bodyPr rtlCol="0" anchor="ctr"/>
+          <a:lstStyle/>
+          <a:p>
+            <a:pPr algn="ctr"/>
+            <a:endParaRPr lang="pt-BR"/>
+          </a:p>
+        </p:txBody>
+      </p:sp>
+      <p:sp>
+        <p:nvSpPr>
+          <p:cNvPr id="19" name="Seta: para a Direita 18">
+            <a:extLst>
+              <a:ext uri="{FF2B5EF4-FFF2-40B4-BE49-F238E27FC236}">
+                <a16:creationId xmlns:a16="http://schemas.microsoft.com/office/drawing/2014/main" id="{79714A77-45B2-42BC-B3FE-804C2341A384}"/>
+              </a:ext>
+            </a:extLst>
+          </p:cNvPr>
+          <p:cNvSpPr/>
+          <p:nvPr/>
+        </p:nvSpPr>
+        <p:spPr>
+          <a:xfrm>
+            <a:off x="4911765" y="5549178"/>
+            <a:ext cx="978408" cy="484632"/>
+          </a:xfrm>
+          <a:prstGeom prst="rightArrow">
+            <a:avLst/>
+          </a:prstGeom>
+          <a:solidFill>
+            <a:schemeClr val="tx1">
+              <a:lumMod val="95000"/>
+              <a:lumOff val="5000"/>
+            </a:schemeClr>
+          </a:solidFill>
+        </p:spPr>
+        <p:style>
+          <a:lnRef idx="2">
+            <a:schemeClr val="accent1">
+              <a:shade val="50000"/>
+            </a:schemeClr>
+          </a:lnRef>
+          <a:fillRef idx="1">
+            <a:schemeClr val="accent1"/>
+          </a:fillRef>
+          <a:effectRef idx="0">
+            <a:schemeClr val="accent1"/>
+          </a:effectRef>
+          <a:fontRef idx="minor">
+            <a:schemeClr val="lt1"/>
+          </a:fontRef>
+        </p:style>
+        <p:txBody>
+          <a:bodyPr rtlCol="0" anchor="ctr"/>
+          <a:lstStyle/>
+          <a:p>
+            <a:pPr algn="ctr"/>
+            <a:endParaRPr lang="pt-BR" dirty="0"/>
+          </a:p>
+        </p:txBody>
+      </p:sp>
+      <p:pic>
+        <p:nvPicPr>
+          <p:cNvPr id="20" name="Picture 10" descr="tela de tv grátis ícone">
+            <a:extLst>
+              <a:ext uri="{FF2B5EF4-FFF2-40B4-BE49-F238E27FC236}">
+                <a16:creationId xmlns:a16="http://schemas.microsoft.com/office/drawing/2014/main" id="{8D0CE20C-4D03-4AF7-814D-C9D77B45D2CE}"/>
+              </a:ext>
+            </a:extLst>
+          </p:cNvPr>
+          <p:cNvPicPr>
+            <a:picLocks noChangeAspect="1" noChangeArrowheads="1"/>
+          </p:cNvPicPr>
+          <p:nvPr/>
+        </p:nvPicPr>
+        <p:blipFill>
+          <a:blip r:embed="rId4">
+            <a:extLst>
+              <a:ext uri="{28A0092B-C50C-407E-A947-70E740481C1C}">
+                <a14:useLocalDpi xmlns:a14="http://schemas.microsoft.com/office/drawing/2010/main" val="0"/>
+              </a:ext>
+            </a:extLst>
+          </a:blip>
+          <a:srcRect/>
+          <a:stretch>
+            <a:fillRect/>
+          </a:stretch>
+        </p:blipFill>
+        <p:spPr bwMode="auto">
+          <a:xfrm>
+            <a:off x="6387231" y="5001444"/>
+            <a:ext cx="1714967" cy="1315509"/>
+          </a:xfrm>
+          <a:prstGeom prst="rect">
+            <a:avLst/>
+          </a:prstGeom>
+          <a:noFill/>
+          <a:extLst>
+            <a:ext uri="{909E8E84-426E-40DD-AFC4-6F175D3DCCD1}">
+              <a14:hiddenFill xmlns:a14="http://schemas.microsoft.com/office/drawing/2010/main">
+                <a:solidFill>
+                  <a:srgbClr val="FFFFFF"/>
+                </a:solidFill>
+              </a14:hiddenFill>
+            </a:ext>
+          </a:extLst>
+        </p:spPr>
+      </p:pic>
+      <p:sp>
+        <p:nvSpPr>
+          <p:cNvPr id="21" name="CaixaDeTexto 20">
+            <a:extLst>
+              <a:ext uri="{FF2B5EF4-FFF2-40B4-BE49-F238E27FC236}">
+                <a16:creationId xmlns:a16="http://schemas.microsoft.com/office/drawing/2014/main" id="{4B3DF931-BAC7-4EF8-8457-BDD9E9047228}"/>
+              </a:ext>
+            </a:extLst>
+          </p:cNvPr>
+          <p:cNvSpPr txBox="1"/>
+          <p:nvPr/>
+        </p:nvSpPr>
+        <p:spPr>
+          <a:xfrm>
+            <a:off x="6854220" y="5400944"/>
+            <a:ext cx="1222130" cy="369332"/>
+          </a:xfrm>
+          <a:prstGeom prst="rect">
+            <a:avLst/>
+          </a:prstGeom>
+          <a:noFill/>
+        </p:spPr>
+        <p:txBody>
+          <a:bodyPr wrap="square" rtlCol="0">
+            <a:spAutoFit/>
+          </a:bodyPr>
+          <a:lstStyle/>
+          <a:p>
+            <a:r>
+              <a:rPr lang="pt-BR" dirty="0"/>
+              <a:t>Treino</a:t>
+            </a:r>
+          </a:p>
+        </p:txBody>
+      </p:sp>
+      <p:sp>
+        <p:nvSpPr>
+          <p:cNvPr id="23" name="CaixaDeTexto 22">
+            <a:extLst>
+              <a:ext uri="{FF2B5EF4-FFF2-40B4-BE49-F238E27FC236}">
+                <a16:creationId xmlns:a16="http://schemas.microsoft.com/office/drawing/2014/main" id="{B6886F6E-17B5-455A-9911-045DA16B389D}"/>
+              </a:ext>
+            </a:extLst>
+          </p:cNvPr>
+          <p:cNvSpPr txBox="1"/>
+          <p:nvPr/>
+        </p:nvSpPr>
+        <p:spPr>
+          <a:xfrm>
+            <a:off x="4812119" y="6257066"/>
+            <a:ext cx="6097464" cy="369332"/>
+          </a:xfrm>
+          <a:prstGeom prst="rect">
+            <a:avLst/>
+          </a:prstGeom>
+          <a:noFill/>
+        </p:spPr>
+        <p:txBody>
+          <a:bodyPr wrap="square">
+            <a:spAutoFit/>
+          </a:bodyPr>
+          <a:lstStyle/>
+          <a:p>
+            <a:r>
+              <a:rPr lang="pt-BR" dirty="0"/>
+              <a:t>Recebe seu treino específico para seu corpo</a:t>
+            </a:r>
+          </a:p>
+        </p:txBody>
+      </p:sp>
+      <p:sp>
+        <p:nvSpPr>
+          <p:cNvPr id="25" name="CaixaDeTexto 24">
+            <a:extLst>
+              <a:ext uri="{FF2B5EF4-FFF2-40B4-BE49-F238E27FC236}">
+                <a16:creationId xmlns:a16="http://schemas.microsoft.com/office/drawing/2014/main" id="{4F946482-4581-454C-9F0A-262FAAAAF520}"/>
+              </a:ext>
+            </a:extLst>
+          </p:cNvPr>
+          <p:cNvSpPr txBox="1"/>
+          <p:nvPr/>
+        </p:nvSpPr>
+        <p:spPr>
+          <a:xfrm>
+            <a:off x="2744662" y="5601990"/>
+            <a:ext cx="6097464" cy="369332"/>
+          </a:xfrm>
+          <a:prstGeom prst="rect">
+            <a:avLst/>
+          </a:prstGeom>
+          <a:noFill/>
+        </p:spPr>
+        <p:txBody>
+          <a:bodyPr wrap="square">
+            <a:spAutoFit/>
+          </a:bodyPr>
+          <a:lstStyle/>
+          <a:p>
+            <a:r>
+              <a:rPr lang="pt-BR" dirty="0"/>
+              <a:t>Mulher</a:t>
+            </a:r>
+          </a:p>
+        </p:txBody>
+      </p:sp>
+      <p:sp>
+        <p:nvSpPr>
+          <p:cNvPr id="27" name="CaixaDeTexto 26">
+            <a:extLst>
+              <a:ext uri="{FF2B5EF4-FFF2-40B4-BE49-F238E27FC236}">
+                <a16:creationId xmlns:a16="http://schemas.microsoft.com/office/drawing/2014/main" id="{907A02D3-0098-40B8-B956-7F3C5EA4418C}"/>
+              </a:ext>
+            </a:extLst>
+          </p:cNvPr>
+          <p:cNvSpPr txBox="1"/>
+          <p:nvPr/>
+        </p:nvSpPr>
+        <p:spPr>
+          <a:xfrm>
+            <a:off x="2744662" y="541047"/>
+            <a:ext cx="6097464" cy="369332"/>
+          </a:xfrm>
+          <a:prstGeom prst="rect">
+            <a:avLst/>
+          </a:prstGeom>
+          <a:noFill/>
+        </p:spPr>
+        <p:txBody>
+          <a:bodyPr wrap="square">
+            <a:spAutoFit/>
+          </a:bodyPr>
+          <a:lstStyle/>
+          <a:p>
+            <a:r>
+              <a:rPr lang="pt-BR" dirty="0"/>
+              <a:t>Homem</a:t>
+            </a:r>
+          </a:p>
+        </p:txBody>
+      </p:sp>
+      <p:sp>
+        <p:nvSpPr>
+          <p:cNvPr id="29" name="Seta: para Baixo 28">
+            <a:extLst>
+              <a:ext uri="{FF2B5EF4-FFF2-40B4-BE49-F238E27FC236}">
+                <a16:creationId xmlns:a16="http://schemas.microsoft.com/office/drawing/2014/main" id="{8EC358E9-AC52-4E81-BE12-840B730A4CA1}"/>
+              </a:ext>
+            </a:extLst>
+          </p:cNvPr>
+          <p:cNvSpPr/>
+          <p:nvPr/>
+        </p:nvSpPr>
+        <p:spPr>
+          <a:xfrm rot="13602932">
+            <a:off x="8535070" y="4091665"/>
+            <a:ext cx="484632" cy="899674"/>
+          </a:xfrm>
+          <a:prstGeom prst="downArrow">
+            <a:avLst/>
+          </a:prstGeom>
+          <a:solidFill>
+            <a:schemeClr val="tx1"/>
+          </a:solidFill>
+        </p:spPr>
+        <p:style>
+          <a:lnRef idx="2">
+            <a:schemeClr val="accent1">
+              <a:shade val="50000"/>
+            </a:schemeClr>
+          </a:lnRef>
+          <a:fillRef idx="1">
+            <a:schemeClr val="accent1"/>
+          </a:fillRef>
+          <a:effectRef idx="0">
+            <a:schemeClr val="accent1"/>
+          </a:effectRef>
+          <a:fontRef idx="minor">
+            <a:schemeClr val="lt1"/>
+          </a:fontRef>
+        </p:style>
+        <p:txBody>
+          <a:bodyPr rtlCol="0" anchor="ctr"/>
+          <a:lstStyle/>
+          <a:p>
+            <a:pPr algn="ctr"/>
+            <a:endParaRPr lang="pt-BR"/>
+          </a:p>
+        </p:txBody>
+      </p:sp>
     </p:spTree>
     <p:extLst>
       <p:ext uri="{BB962C8B-B14F-4D97-AF65-F5344CB8AC3E}">
